--- a/이윤경/2022-06-22/카르노맵(Karnaugh Map).pptx
+++ b/이윤경/2022-06-22/카르노맵(Karnaugh Map).pptx
@@ -6,17 +6,18 @@
   </p:sldMasterIdLst>
   <p:sldIdLst>
     <p:sldId id="256" r:id="rId2"/>
-    <p:sldId id="257" r:id="rId3"/>
-    <p:sldId id="259" r:id="rId4"/>
-    <p:sldId id="260" r:id="rId5"/>
-    <p:sldId id="261" r:id="rId6"/>
-    <p:sldId id="262" r:id="rId7"/>
-    <p:sldId id="263" r:id="rId8"/>
-    <p:sldId id="264" r:id="rId9"/>
-    <p:sldId id="265" r:id="rId10"/>
-    <p:sldId id="267" r:id="rId11"/>
-    <p:sldId id="268" r:id="rId12"/>
-    <p:sldId id="269" r:id="rId13"/>
+    <p:sldId id="270" r:id="rId3"/>
+    <p:sldId id="257" r:id="rId4"/>
+    <p:sldId id="259" r:id="rId5"/>
+    <p:sldId id="260" r:id="rId6"/>
+    <p:sldId id="261" r:id="rId7"/>
+    <p:sldId id="262" r:id="rId8"/>
+    <p:sldId id="263" r:id="rId9"/>
+    <p:sldId id="264" r:id="rId10"/>
+    <p:sldId id="265" r:id="rId11"/>
+    <p:sldId id="267" r:id="rId12"/>
+    <p:sldId id="268" r:id="rId13"/>
+    <p:sldId id="269" r:id="rId14"/>
   </p:sldIdLst>
   <p:sldSz cx="12192000" cy="6858000"/>
   <p:notesSz cx="6858000" cy="9144000"/>
@@ -115,6 +116,11 @@
       </a:defRPr>
     </a:lvl9pPr>
   </p:defaultTextStyle>
+  <p:extLst>
+    <p:ext uri="{EFAFB233-063F-42B5-8137-9DF3F51BA10A}">
+      <p15:sldGuideLst xmlns:p15="http://schemas.microsoft.com/office/powerpoint/2012/main"/>
+    </p:ext>
+  </p:extLst>
 </p:presentation>
 </file>
 
@@ -3412,6 +3418,137 @@
 </file>
 
 <file path=ppt/slides/slide10.xml><?xml version="1.0" encoding="utf-8"?>
+<p:sld xmlns:a="http://schemas.openxmlformats.org/drawingml/2006/main" xmlns:r="http://schemas.openxmlformats.org/officeDocument/2006/relationships" xmlns:p="http://schemas.openxmlformats.org/presentationml/2006/main">
+  <p:cSld>
+    <p:spTree>
+      <p:nvGrpSpPr>
+        <p:cNvPr id="1" name=""/>
+        <p:cNvGrpSpPr/>
+        <p:nvPr/>
+      </p:nvGrpSpPr>
+      <p:grpSpPr>
+        <a:xfrm>
+          <a:off x="0" y="0"/>
+          <a:ext cx="0" cy="0"/>
+          <a:chOff x="0" y="0"/>
+          <a:chExt cx="0" cy="0"/>
+        </a:xfrm>
+      </p:grpSpPr>
+      <p:pic>
+        <p:nvPicPr>
+          <p:cNvPr id="3" name="그림 2">
+            <a:extLst>
+              <a:ext uri="{FF2B5EF4-FFF2-40B4-BE49-F238E27FC236}">
+                <a16:creationId xmlns:a16="http://schemas.microsoft.com/office/drawing/2014/main" id="{89A875E6-0791-7E28-DCA8-A8BF4DB36921}"/>
+              </a:ext>
+            </a:extLst>
+          </p:cNvPr>
+          <p:cNvPicPr>
+            <a:picLocks noChangeAspect="1"/>
+          </p:cNvPicPr>
+          <p:nvPr/>
+        </p:nvPicPr>
+        <p:blipFill>
+          <a:blip r:embed="rId2"/>
+          <a:stretch>
+            <a:fillRect/>
+          </a:stretch>
+        </p:blipFill>
+        <p:spPr>
+          <a:xfrm>
+            <a:off x="2717443" y="1035870"/>
+            <a:ext cx="6440258" cy="5590310"/>
+          </a:xfrm>
+          <a:prstGeom prst="rect">
+            <a:avLst/>
+          </a:prstGeom>
+        </p:spPr>
+      </p:pic>
+      <p:sp>
+        <p:nvSpPr>
+          <p:cNvPr id="4" name="제목 1">
+            <a:extLst>
+              <a:ext uri="{FF2B5EF4-FFF2-40B4-BE49-F238E27FC236}">
+                <a16:creationId xmlns:a16="http://schemas.microsoft.com/office/drawing/2014/main" id="{235A83DE-84A2-6E9F-4396-2F3C41ABC2DE}"/>
+              </a:ext>
+            </a:extLst>
+          </p:cNvPr>
+          <p:cNvSpPr txBox="1">
+            <a:spLocks/>
+          </p:cNvSpPr>
+          <p:nvPr/>
+        </p:nvSpPr>
+        <p:spPr>
+          <a:xfrm>
+            <a:off x="267645" y="293320"/>
+            <a:ext cx="4212771" cy="592818"/>
+          </a:xfrm>
+          <a:prstGeom prst="rect">
+            <a:avLst/>
+          </a:prstGeom>
+        </p:spPr>
+        <p:txBody>
+          <a:bodyPr>
+            <a:normAutofit/>
+          </a:bodyPr>
+          <a:lstStyle>
+            <a:lvl1pPr algn="l" defTabSz="914400" rtl="0" eaLnBrk="1" latinLnBrk="1" hangingPunct="1">
+              <a:lnSpc>
+                <a:spcPct val="90000"/>
+              </a:lnSpc>
+              <a:spcBef>
+                <a:spcPct val="0"/>
+              </a:spcBef>
+              <a:buNone/>
+              <a:defRPr sz="4400" kern="1200">
+                <a:solidFill>
+                  <a:schemeClr val="tx1"/>
+                </a:solidFill>
+                <a:latin typeface="+mj-lt"/>
+                <a:ea typeface="+mj-ea"/>
+                <a:cs typeface="+mj-cs"/>
+              </a:defRPr>
+            </a:lvl1pPr>
+          </a:lstStyle>
+          <a:p>
+            <a:r>
+              <a:rPr lang="en-US" altLang="ko-KR" sz="2400" b="1" dirty="0">
+                <a:ea typeface="서울남산 장체B" panose="02020603020101020101" pitchFamily="18" charset="-127"/>
+              </a:rPr>
+              <a:t>4</a:t>
+            </a:r>
+            <a:r>
+              <a:rPr lang="ko-KR" altLang="en-US" sz="2400" b="1" dirty="0">
+                <a:ea typeface="서울남산 장체B" panose="02020603020101020101" pitchFamily="18" charset="-127"/>
+              </a:rPr>
+              <a:t>변수 </a:t>
+            </a:r>
+            <a:r>
+              <a:rPr lang="ko-KR" altLang="en-US" sz="2400" b="1" dirty="0" err="1">
+                <a:ea typeface="서울남산 장체B" panose="02020603020101020101" pitchFamily="18" charset="-127"/>
+              </a:rPr>
+              <a:t>카르노맵</a:t>
+            </a:r>
+            <a:endParaRPr lang="ko-KR" altLang="en-US" sz="2400" b="1" dirty="0">
+              <a:ea typeface="서울남산 장체B" panose="02020603020101020101" pitchFamily="18" charset="-127"/>
+            </a:endParaRPr>
+          </a:p>
+        </p:txBody>
+      </p:sp>
+    </p:spTree>
+    <p:extLst>
+      <p:ext uri="{BB962C8B-B14F-4D97-AF65-F5344CB8AC3E}">
+        <p14:creationId xmlns:p14="http://schemas.microsoft.com/office/powerpoint/2010/main" val="3464091379"/>
+      </p:ext>
+    </p:extLst>
+  </p:cSld>
+  <p:clrMapOvr>
+    <a:masterClrMapping/>
+  </p:clrMapOvr>
+</p:sld>
+</file>
+
+<file path=ppt/slides/slide11.xml><?xml version="1.0" encoding="utf-8"?>
 <p:sld xmlns:a="http://schemas.openxmlformats.org/drawingml/2006/main" xmlns:r="http://schemas.openxmlformats.org/officeDocument/2006/relationships" xmlns:p="http://schemas.openxmlformats.org/presentationml/2006/main">
   <p:cSld>
     <p:spTree>
@@ -4335,7 +4472,7 @@
 </p:sld>
 </file>
 
-<file path=ppt/slides/slide11.xml><?xml version="1.0" encoding="utf-8"?>
+<file path=ppt/slides/slide12.xml><?xml version="1.0" encoding="utf-8"?>
 <p:sld xmlns:a="http://schemas.openxmlformats.org/drawingml/2006/main" xmlns:r="http://schemas.openxmlformats.org/officeDocument/2006/relationships" xmlns:p="http://schemas.openxmlformats.org/presentationml/2006/main">
   <p:cSld>
     <p:spTree>
@@ -4466,7 +4603,7 @@
 </p:sld>
 </file>
 
-<file path=ppt/slides/slide12.xml><?xml version="1.0" encoding="utf-8"?>
+<file path=ppt/slides/slide13.xml><?xml version="1.0" encoding="utf-8"?>
 <p:sld xmlns:a="http://schemas.openxmlformats.org/drawingml/2006/main" xmlns:r="http://schemas.openxmlformats.org/officeDocument/2006/relationships" xmlns:p="http://schemas.openxmlformats.org/presentationml/2006/main">
   <p:cSld>
     <p:spTree>
@@ -4554,6 +4691,100 @@
           <a:chExt cx="0" cy="0"/>
         </a:xfrm>
       </p:grpSpPr>
+      <p:sp>
+        <p:nvSpPr>
+          <p:cNvPr id="3" name="TextBox 2">
+            <a:extLst>
+              <a:ext uri="{FF2B5EF4-FFF2-40B4-BE49-F238E27FC236}">
+                <a16:creationId xmlns:a16="http://schemas.microsoft.com/office/drawing/2014/main" id="{AF41BB23-3D00-71EF-5273-267DB8EA417B}"/>
+              </a:ext>
+            </a:extLst>
+          </p:cNvPr>
+          <p:cNvSpPr txBox="1"/>
+          <p:nvPr/>
+        </p:nvSpPr>
+        <p:spPr>
+          <a:xfrm>
+            <a:off x="811540" y="2472743"/>
+            <a:ext cx="10568920" cy="1569660"/>
+          </a:xfrm>
+          <a:prstGeom prst="rect">
+            <a:avLst/>
+          </a:prstGeom>
+          <a:noFill/>
+        </p:spPr>
+        <p:txBody>
+          <a:bodyPr wrap="none" rtlCol="0">
+            <a:spAutoFit/>
+          </a:bodyPr>
+          <a:lstStyle/>
+          <a:p>
+            <a:pPr algn="ctr"/>
+            <a:r>
+              <a:rPr lang="ko-KR" altLang="en-US" sz="4000" b="1" dirty="0" err="1"/>
+              <a:t>부울</a:t>
+            </a:r>
+            <a:r>
+              <a:rPr lang="ko-KR" altLang="en-US" sz="4000" b="1" dirty="0"/>
+              <a:t> 대수 </a:t>
+            </a:r>
+            <a:endParaRPr lang="en-US" altLang="ko-KR" sz="4000" b="1" dirty="0"/>
+          </a:p>
+          <a:p>
+            <a:pPr algn="ctr"/>
+            <a:endParaRPr lang="en-US" altLang="ko-KR" sz="2800" dirty="0"/>
+          </a:p>
+          <a:p>
+            <a:pPr algn="ctr"/>
+            <a:r>
+              <a:rPr lang="en-US" altLang="ko-KR" sz="2800" dirty="0"/>
+              <a:t>0</a:t>
+            </a:r>
+            <a:r>
+              <a:rPr lang="ko-KR" altLang="en-US" sz="2800" dirty="0"/>
+              <a:t>과 </a:t>
+            </a:r>
+            <a:r>
+              <a:rPr lang="en-US" altLang="ko-KR" sz="2800" dirty="0"/>
+              <a:t>1</a:t>
+            </a:r>
+            <a:r>
+              <a:rPr lang="ko-KR" altLang="en-US" sz="2800" dirty="0"/>
+              <a:t>의 입력신호로 수학적인 계산을 하기 위해서 만들어진 수학</a:t>
+            </a:r>
+          </a:p>
+        </p:txBody>
+      </p:sp>
+    </p:spTree>
+    <p:extLst>
+      <p:ext uri="{BB962C8B-B14F-4D97-AF65-F5344CB8AC3E}">
+        <p14:creationId xmlns:p14="http://schemas.microsoft.com/office/powerpoint/2010/main" val="682757699"/>
+      </p:ext>
+    </p:extLst>
+  </p:cSld>
+  <p:clrMapOvr>
+    <a:masterClrMapping/>
+  </p:clrMapOvr>
+</p:sld>
+</file>
+
+<file path=ppt/slides/slide3.xml><?xml version="1.0" encoding="utf-8"?>
+<p:sld xmlns:a="http://schemas.openxmlformats.org/drawingml/2006/main" xmlns:r="http://schemas.openxmlformats.org/officeDocument/2006/relationships" xmlns:p="http://schemas.openxmlformats.org/presentationml/2006/main">
+  <p:cSld>
+    <p:spTree>
+      <p:nvGrpSpPr>
+        <p:cNvPr id="1" name=""/>
+        <p:cNvGrpSpPr/>
+        <p:nvPr/>
+      </p:nvGrpSpPr>
+      <p:grpSpPr>
+        <a:xfrm>
+          <a:off x="0" y="0"/>
+          <a:ext cx="0" cy="0"/>
+          <a:chOff x="0" y="0"/>
+          <a:chExt cx="0" cy="0"/>
+        </a:xfrm>
+      </p:grpSpPr>
       <p:pic>
         <p:nvPicPr>
           <p:cNvPr id="3" name="그림 2">
@@ -4663,7 +4894,7 @@
 </p:sld>
 </file>
 
-<file path=ppt/slides/slide3.xml><?xml version="1.0" encoding="utf-8"?>
+<file path=ppt/slides/slide4.xml><?xml version="1.0" encoding="utf-8"?>
 <p:sld xmlns:a="http://schemas.openxmlformats.org/drawingml/2006/main" xmlns:r="http://schemas.openxmlformats.org/officeDocument/2006/relationships" xmlns:p="http://schemas.openxmlformats.org/presentationml/2006/main">
   <p:cSld>
     <p:spTree>
@@ -5215,7 +5446,7 @@
 </p:sld>
 </file>
 
-<file path=ppt/slides/slide4.xml><?xml version="1.0" encoding="utf-8"?>
+<file path=ppt/slides/slide5.xml><?xml version="1.0" encoding="utf-8"?>
 <p:sld xmlns:a="http://schemas.openxmlformats.org/drawingml/2006/main" xmlns:r="http://schemas.openxmlformats.org/officeDocument/2006/relationships" xmlns:p="http://schemas.openxmlformats.org/presentationml/2006/main">
   <p:cSld>
     <p:spTree>
@@ -5408,7 +5639,7 @@
 </p:sld>
 </file>
 
-<file path=ppt/slides/slide5.xml><?xml version="1.0" encoding="utf-8"?>
+<file path=ppt/slides/slide6.xml><?xml version="1.0" encoding="utf-8"?>
 <p:sld xmlns:a="http://schemas.openxmlformats.org/drawingml/2006/main" xmlns:r="http://schemas.openxmlformats.org/officeDocument/2006/relationships" xmlns:p="http://schemas.openxmlformats.org/presentationml/2006/main">
   <p:cSld>
     <p:spTree>
@@ -5962,7 +6193,7 @@
 </p:sld>
 </file>
 
-<file path=ppt/slides/slide6.xml><?xml version="1.0" encoding="utf-8"?>
+<file path=ppt/slides/slide7.xml><?xml version="1.0" encoding="utf-8"?>
 <p:sld xmlns:a="http://schemas.openxmlformats.org/drawingml/2006/main" xmlns:r="http://schemas.openxmlformats.org/officeDocument/2006/relationships" xmlns:p="http://schemas.openxmlformats.org/presentationml/2006/main">
   <p:cSld>
     <p:spTree>
@@ -7070,7 +7301,7 @@
 </p:sld>
 </file>
 
-<file path=ppt/slides/slide7.xml><?xml version="1.0" encoding="utf-8"?>
+<file path=ppt/slides/slide8.xml><?xml version="1.0" encoding="utf-8"?>
 <p:sld xmlns:a="http://schemas.openxmlformats.org/drawingml/2006/main" xmlns:r="http://schemas.openxmlformats.org/officeDocument/2006/relationships" xmlns:p="http://schemas.openxmlformats.org/presentationml/2006/main">
   <p:cSld>
     <p:spTree>
@@ -7409,7 +7640,7 @@
 </p:sld>
 </file>
 
-<file path=ppt/slides/slide8.xml><?xml version="1.0" encoding="utf-8"?>
+<file path=ppt/slides/slide9.xml><?xml version="1.0" encoding="utf-8"?>
 <p:sld xmlns:a="http://schemas.openxmlformats.org/drawingml/2006/main" xmlns:r="http://schemas.openxmlformats.org/officeDocument/2006/relationships" xmlns:p="http://schemas.openxmlformats.org/presentationml/2006/main">
   <p:cSld>
     <p:spTree>
@@ -7621,137 +7852,6 @@
     <p:extLst>
       <p:ext uri="{BB962C8B-B14F-4D97-AF65-F5344CB8AC3E}">
         <p14:creationId xmlns:p14="http://schemas.microsoft.com/office/powerpoint/2010/main" val="1040474075"/>
-      </p:ext>
-    </p:extLst>
-  </p:cSld>
-  <p:clrMapOvr>
-    <a:masterClrMapping/>
-  </p:clrMapOvr>
-</p:sld>
-</file>
-
-<file path=ppt/slides/slide9.xml><?xml version="1.0" encoding="utf-8"?>
-<p:sld xmlns:a="http://schemas.openxmlformats.org/drawingml/2006/main" xmlns:r="http://schemas.openxmlformats.org/officeDocument/2006/relationships" xmlns:p="http://schemas.openxmlformats.org/presentationml/2006/main">
-  <p:cSld>
-    <p:spTree>
-      <p:nvGrpSpPr>
-        <p:cNvPr id="1" name=""/>
-        <p:cNvGrpSpPr/>
-        <p:nvPr/>
-      </p:nvGrpSpPr>
-      <p:grpSpPr>
-        <a:xfrm>
-          <a:off x="0" y="0"/>
-          <a:ext cx="0" cy="0"/>
-          <a:chOff x="0" y="0"/>
-          <a:chExt cx="0" cy="0"/>
-        </a:xfrm>
-      </p:grpSpPr>
-      <p:pic>
-        <p:nvPicPr>
-          <p:cNvPr id="3" name="그림 2">
-            <a:extLst>
-              <a:ext uri="{FF2B5EF4-FFF2-40B4-BE49-F238E27FC236}">
-                <a16:creationId xmlns:a16="http://schemas.microsoft.com/office/drawing/2014/main" id="{89A875E6-0791-7E28-DCA8-A8BF4DB36921}"/>
-              </a:ext>
-            </a:extLst>
-          </p:cNvPr>
-          <p:cNvPicPr>
-            <a:picLocks noChangeAspect="1"/>
-          </p:cNvPicPr>
-          <p:nvPr/>
-        </p:nvPicPr>
-        <p:blipFill>
-          <a:blip r:embed="rId2"/>
-          <a:stretch>
-            <a:fillRect/>
-          </a:stretch>
-        </p:blipFill>
-        <p:spPr>
-          <a:xfrm>
-            <a:off x="2717443" y="1035870"/>
-            <a:ext cx="6440258" cy="5590310"/>
-          </a:xfrm>
-          <a:prstGeom prst="rect">
-            <a:avLst/>
-          </a:prstGeom>
-        </p:spPr>
-      </p:pic>
-      <p:sp>
-        <p:nvSpPr>
-          <p:cNvPr id="4" name="제목 1">
-            <a:extLst>
-              <a:ext uri="{FF2B5EF4-FFF2-40B4-BE49-F238E27FC236}">
-                <a16:creationId xmlns:a16="http://schemas.microsoft.com/office/drawing/2014/main" id="{235A83DE-84A2-6E9F-4396-2F3C41ABC2DE}"/>
-              </a:ext>
-            </a:extLst>
-          </p:cNvPr>
-          <p:cNvSpPr txBox="1">
-            <a:spLocks/>
-          </p:cNvSpPr>
-          <p:nvPr/>
-        </p:nvSpPr>
-        <p:spPr>
-          <a:xfrm>
-            <a:off x="267645" y="293320"/>
-            <a:ext cx="4212771" cy="592818"/>
-          </a:xfrm>
-          <a:prstGeom prst="rect">
-            <a:avLst/>
-          </a:prstGeom>
-        </p:spPr>
-        <p:txBody>
-          <a:bodyPr>
-            <a:normAutofit/>
-          </a:bodyPr>
-          <a:lstStyle>
-            <a:lvl1pPr algn="l" defTabSz="914400" rtl="0" eaLnBrk="1" latinLnBrk="1" hangingPunct="1">
-              <a:lnSpc>
-                <a:spcPct val="90000"/>
-              </a:lnSpc>
-              <a:spcBef>
-                <a:spcPct val="0"/>
-              </a:spcBef>
-              <a:buNone/>
-              <a:defRPr sz="4400" kern="1200">
-                <a:solidFill>
-                  <a:schemeClr val="tx1"/>
-                </a:solidFill>
-                <a:latin typeface="+mj-lt"/>
-                <a:ea typeface="+mj-ea"/>
-                <a:cs typeface="+mj-cs"/>
-              </a:defRPr>
-            </a:lvl1pPr>
-          </a:lstStyle>
-          <a:p>
-            <a:r>
-              <a:rPr lang="en-US" altLang="ko-KR" sz="2400" b="1" dirty="0">
-                <a:ea typeface="서울남산 장체B" panose="02020603020101020101" pitchFamily="18" charset="-127"/>
-              </a:rPr>
-              <a:t>4</a:t>
-            </a:r>
-            <a:r>
-              <a:rPr lang="ko-KR" altLang="en-US" sz="2400" b="1" dirty="0">
-                <a:ea typeface="서울남산 장체B" panose="02020603020101020101" pitchFamily="18" charset="-127"/>
-              </a:rPr>
-              <a:t>변수 </a:t>
-            </a:r>
-            <a:r>
-              <a:rPr lang="ko-KR" altLang="en-US" sz="2400" b="1" dirty="0" err="1">
-                <a:ea typeface="서울남산 장체B" panose="02020603020101020101" pitchFamily="18" charset="-127"/>
-              </a:rPr>
-              <a:t>카르노맵</a:t>
-            </a:r>
-            <a:endParaRPr lang="ko-KR" altLang="en-US" sz="2400" b="1" dirty="0">
-              <a:ea typeface="서울남산 장체B" panose="02020603020101020101" pitchFamily="18" charset="-127"/>
-            </a:endParaRPr>
-          </a:p>
-        </p:txBody>
-      </p:sp>
-    </p:spTree>
-    <p:extLst>
-      <p:ext uri="{BB962C8B-B14F-4D97-AF65-F5344CB8AC3E}">
-        <p14:creationId xmlns:p14="http://schemas.microsoft.com/office/powerpoint/2010/main" val="3464091379"/>
       </p:ext>
     </p:extLst>
   </p:cSld>
